--- a/WUX_lifecycle.pptx
+++ b/WUX_lifecycle.pptx
@@ -104,6 +104,11 @@
       </a:defRPr>
     </a:lvl9pPr>
   </p:defaultTextStyle>
+  <p:extLst>
+    <p:ext uri="{EFAFB233-063F-42B5-8137-9DF3F51BA10A}">
+      <p15:sldGuideLst xmlns:p15="http://schemas.microsoft.com/office/powerpoint/2012/main"/>
+    </p:ext>
+  </p:extLst>
 </p:presentation>
 </file>
 
@@ -3335,8 +3340,8 @@
         </p:nvSpPr>
         <p:spPr>
           <a:xfrm>
-            <a:off x="8298832" y="486383"/>
-            <a:ext cx="3725693" cy="5817140"/>
+            <a:off x="8496044" y="486383"/>
+            <a:ext cx="3528481" cy="5817140"/>
           </a:xfrm>
           <a:prstGeom prst="roundRect">
             <a:avLst/>
@@ -3388,8 +3393,8 @@
         </p:nvSpPr>
         <p:spPr>
           <a:xfrm>
-            <a:off x="4307248" y="486383"/>
-            <a:ext cx="3725693" cy="5817140"/>
+            <a:off x="3934932" y="486383"/>
+            <a:ext cx="4386009" cy="5817140"/>
           </a:xfrm>
           <a:prstGeom prst="roundRect">
             <a:avLst/>
@@ -3442,7 +3447,7 @@
         <p:spPr>
           <a:xfrm>
             <a:off x="204281" y="486383"/>
-            <a:ext cx="3725693" cy="5817140"/>
+            <a:ext cx="3491847" cy="5817140"/>
           </a:xfrm>
           <a:prstGeom prst="roundRect">
             <a:avLst/>
@@ -3494,7 +3499,7 @@
         </p:nvSpPr>
         <p:spPr>
           <a:xfrm>
-            <a:off x="618189" y="1482479"/>
+            <a:off x="443085" y="1482479"/>
             <a:ext cx="3018818" cy="673667"/>
           </a:xfrm>
           <a:prstGeom prst="roundRect">
@@ -3574,8 +3579,8 @@
         </p:nvSpPr>
         <p:spPr>
           <a:xfrm>
-            <a:off x="618189" y="2723789"/>
-            <a:ext cx="7194259" cy="673667"/>
+            <a:off x="443086" y="2723789"/>
+            <a:ext cx="3018818" cy="673667"/>
           </a:xfrm>
           <a:prstGeom prst="roundRect">
             <a:avLst/>
@@ -3643,7 +3648,7 @@
         </p:nvSpPr>
         <p:spPr>
           <a:xfrm>
-            <a:off x="618190" y="5224144"/>
+            <a:off x="443086" y="5224144"/>
             <a:ext cx="3018817" cy="673667"/>
           </a:xfrm>
           <a:prstGeom prst="roundRect">
@@ -3720,7 +3725,87 @@
         </p:nvSpPr>
         <p:spPr>
           <a:xfrm>
-            <a:off x="4793631" y="5224143"/>
+            <a:off x="4212081" y="5224143"/>
+            <a:ext cx="3908296" cy="673667"/>
+          </a:xfrm>
+          <a:prstGeom prst="roundRect">
+            <a:avLst/>
+          </a:prstGeom>
+          <a:solidFill>
+            <a:schemeClr val="accent6">
+              <a:lumMod val="20000"/>
+              <a:lumOff val="80000"/>
+            </a:schemeClr>
+          </a:solidFill>
+          <a:effectLst>
+            <a:outerShdw blurRad="50800" dist="38100" dir="2700000" algn="tl" rotWithShape="0">
+              <a:prstClr val="black">
+                <a:alpha val="40000"/>
+              </a:prstClr>
+            </a:outerShdw>
+          </a:effectLst>
+        </p:spPr>
+        <p:style>
+          <a:lnRef idx="2">
+            <a:schemeClr val="accent1">
+              <a:shade val="15000"/>
+            </a:schemeClr>
+          </a:lnRef>
+          <a:fillRef idx="1">
+            <a:schemeClr val="accent1"/>
+          </a:fillRef>
+          <a:effectRef idx="0">
+            <a:schemeClr val="accent1"/>
+          </a:effectRef>
+          <a:fontRef idx="minor">
+            <a:schemeClr val="lt1"/>
+          </a:fontRef>
+        </p:style>
+        <p:txBody>
+          <a:bodyPr rtlCol="0" anchor="ctr"/>
+          <a:lstStyle/>
+          <a:p>
+            <a:pPr algn="ctr"/>
+            <a:r>
+              <a:rPr lang="it-IT" b="1" dirty="0" err="1">
+                <a:solidFill>
+                  <a:schemeClr val="tx1">
+                    <a:lumMod val="65000"/>
+                    <a:lumOff val="35000"/>
+                  </a:schemeClr>
+                </a:solidFill>
+              </a:rPr>
+              <a:t>componentDidUpdate</a:t>
+            </a:r>
+            <a:r>
+              <a:rPr lang="it-IT" b="1" dirty="0">
+                <a:solidFill>
+                  <a:schemeClr val="tx1">
+                    <a:lumMod val="65000"/>
+                    <a:lumOff val="35000"/>
+                  </a:schemeClr>
+                </a:solidFill>
+              </a:rPr>
+              <a:t>()</a:t>
+            </a:r>
+          </a:p>
+        </p:txBody>
+      </p:sp>
+      <p:sp>
+        <p:nvSpPr>
+          <p:cNvPr id="8" name="Rettangolo con angoli arrotondati 7">
+            <a:extLst>
+              <a:ext uri="{FF2B5EF4-FFF2-40B4-BE49-F238E27FC236}">
+                <a16:creationId xmlns:a16="http://schemas.microsoft.com/office/drawing/2014/main" id="{1C809BA3-16CF-3640-D1D4-C4F5A536F364}"/>
+              </a:ext>
+            </a:extLst>
+          </p:cNvPr>
+          <p:cNvSpPr/>
+          <p:nvPr/>
+        </p:nvSpPr>
+        <p:spPr>
+          <a:xfrm>
+            <a:off x="8730097" y="5222912"/>
             <a:ext cx="3018817" cy="673667"/>
           </a:xfrm>
           <a:prstGeom prst="roundRect">
@@ -3770,7 +3855,7 @@
                   </a:schemeClr>
                 </a:solidFill>
               </a:rPr>
-              <a:t>componentDidUpdate</a:t>
+              <a:t>componentWillUnmount</a:t>
             </a:r>
             <a:r>
               <a:rPr lang="it-IT" b="1" dirty="0">
@@ -3788,10 +3873,10 @@
       </p:sp>
       <p:sp>
         <p:nvSpPr>
-          <p:cNvPr id="8" name="Rettangolo con angoli arrotondati 7">
-            <a:extLst>
-              <a:ext uri="{FF2B5EF4-FFF2-40B4-BE49-F238E27FC236}">
-                <a16:creationId xmlns:a16="http://schemas.microsoft.com/office/drawing/2014/main" id="{1C809BA3-16CF-3640-D1D4-C4F5A536F364}"/>
+          <p:cNvPr id="9" name="Rettangolo con angoli arrotondati 8">
+            <a:extLst>
+              <a:ext uri="{FF2B5EF4-FFF2-40B4-BE49-F238E27FC236}">
+                <a16:creationId xmlns:a16="http://schemas.microsoft.com/office/drawing/2014/main" id="{D3AD547D-CCB4-FDBD-EC3C-60A643218AF7}"/>
               </a:ext>
             </a:extLst>
           </p:cNvPr>
@@ -3800,88 +3885,8 @@
         </p:nvSpPr>
         <p:spPr>
           <a:xfrm>
-            <a:off x="8652269" y="5224142"/>
-            <a:ext cx="3018817" cy="673667"/>
-          </a:xfrm>
-          <a:prstGeom prst="roundRect">
-            <a:avLst/>
-          </a:prstGeom>
-          <a:solidFill>
-            <a:schemeClr val="accent6">
-              <a:lumMod val="20000"/>
-              <a:lumOff val="80000"/>
-            </a:schemeClr>
-          </a:solidFill>
-          <a:effectLst>
-            <a:outerShdw blurRad="50800" dist="38100" dir="2700000" algn="tl" rotWithShape="0">
-              <a:prstClr val="black">
-                <a:alpha val="40000"/>
-              </a:prstClr>
-            </a:outerShdw>
-          </a:effectLst>
-        </p:spPr>
-        <p:style>
-          <a:lnRef idx="2">
-            <a:schemeClr val="accent1">
-              <a:shade val="15000"/>
-            </a:schemeClr>
-          </a:lnRef>
-          <a:fillRef idx="1">
-            <a:schemeClr val="accent1"/>
-          </a:fillRef>
-          <a:effectRef idx="0">
-            <a:schemeClr val="accent1"/>
-          </a:effectRef>
-          <a:fontRef idx="minor">
-            <a:schemeClr val="lt1"/>
-          </a:fontRef>
-        </p:style>
-        <p:txBody>
-          <a:bodyPr rtlCol="0" anchor="ctr"/>
-          <a:lstStyle/>
-          <a:p>
-            <a:pPr algn="ctr"/>
-            <a:r>
-              <a:rPr lang="it-IT" b="1" dirty="0" err="1">
-                <a:solidFill>
-                  <a:schemeClr val="tx1">
-                    <a:lumMod val="65000"/>
-                    <a:lumOff val="35000"/>
-                  </a:schemeClr>
-                </a:solidFill>
-              </a:rPr>
-              <a:t>componentWillUnmount</a:t>
-            </a:r>
-            <a:r>
-              <a:rPr lang="it-IT" b="1" dirty="0">
-                <a:solidFill>
-                  <a:schemeClr val="tx1">
-                    <a:lumMod val="65000"/>
-                    <a:lumOff val="35000"/>
-                  </a:schemeClr>
-                </a:solidFill>
-              </a:rPr>
-              <a:t>()</a:t>
-            </a:r>
-          </a:p>
-        </p:txBody>
-      </p:sp>
-      <p:sp>
-        <p:nvSpPr>
-          <p:cNvPr id="9" name="Rettangolo con angoli arrotondati 8">
-            <a:extLst>
-              <a:ext uri="{FF2B5EF4-FFF2-40B4-BE49-F238E27FC236}">
-                <a16:creationId xmlns:a16="http://schemas.microsoft.com/office/drawing/2014/main" id="{D3AD547D-CCB4-FDBD-EC3C-60A643218AF7}"/>
-              </a:ext>
-            </a:extLst>
-          </p:cNvPr>
-          <p:cNvSpPr/>
-          <p:nvPr/>
-        </p:nvSpPr>
-        <p:spPr>
-          <a:xfrm>
-            <a:off x="618190" y="3982834"/>
-            <a:ext cx="7194259" cy="673667"/>
+            <a:off x="443086" y="3982834"/>
+            <a:ext cx="7677293" cy="673667"/>
           </a:xfrm>
           <a:prstGeom prst="roundRect">
             <a:avLst/>
@@ -3949,7 +3954,7 @@
         </p:nvSpPr>
         <p:spPr>
           <a:xfrm>
-            <a:off x="1207757" y="635491"/>
+            <a:off x="1032653" y="635491"/>
             <a:ext cx="1718740" cy="523220"/>
           </a:xfrm>
           <a:prstGeom prst="rect">
@@ -4045,10 +4050,10 @@
       </p:sp>
       <p:cxnSp>
         <p:nvCxnSpPr>
-          <p:cNvPr id="17" name="Connettore 2 16">
-            <a:extLst>
-              <a:ext uri="{FF2B5EF4-FFF2-40B4-BE49-F238E27FC236}">
-                <a16:creationId xmlns:a16="http://schemas.microsoft.com/office/drawing/2014/main" id="{76444497-B54B-23A1-0B9F-5A61DCC2BE17}"/>
+          <p:cNvPr id="18" name="Connettore 2 17">
+            <a:extLst>
+              <a:ext uri="{FF2B5EF4-FFF2-40B4-BE49-F238E27FC236}">
+                <a16:creationId xmlns:a16="http://schemas.microsoft.com/office/drawing/2014/main" id="{0774CAF1-AA8C-8FE4-CAF7-B305D6085347}"/>
               </a:ext>
             </a:extLst>
           </p:cNvPr>
@@ -4057,46 +4062,7 @@
         </p:nvCxnSpPr>
         <p:spPr>
           <a:xfrm>
-            <a:off x="2127598" y="2156146"/>
-            <a:ext cx="0" cy="567643"/>
-          </a:xfrm>
-          <a:prstGeom prst="straightConnector1">
-            <a:avLst/>
-          </a:prstGeom>
-          <a:ln>
-            <a:tailEnd type="triangle"/>
-          </a:ln>
-        </p:spPr>
-        <p:style>
-          <a:lnRef idx="2">
-            <a:schemeClr val="accent1"/>
-          </a:lnRef>
-          <a:fillRef idx="0">
-            <a:schemeClr val="accent1"/>
-          </a:fillRef>
-          <a:effectRef idx="1">
-            <a:schemeClr val="accent1"/>
-          </a:effectRef>
-          <a:fontRef idx="minor">
-            <a:schemeClr val="tx1"/>
-          </a:fontRef>
-        </p:style>
-      </p:cxnSp>
-      <p:cxnSp>
-        <p:nvCxnSpPr>
-          <p:cNvPr id="18" name="Connettore 2 17">
-            <a:extLst>
-              <a:ext uri="{FF2B5EF4-FFF2-40B4-BE49-F238E27FC236}">
-                <a16:creationId xmlns:a16="http://schemas.microsoft.com/office/drawing/2014/main" id="{0774CAF1-AA8C-8FE4-CAF7-B305D6085347}"/>
-              </a:ext>
-            </a:extLst>
-          </p:cNvPr>
-          <p:cNvCxnSpPr/>
-          <p:nvPr/>
-        </p:nvCxnSpPr>
-        <p:spPr>
-          <a:xfrm>
-            <a:off x="2127598" y="3429000"/>
+            <a:off x="1952494" y="3429000"/>
             <a:ext cx="0" cy="567643"/>
           </a:xfrm>
           <a:prstGeom prst="straightConnector1">
@@ -4135,7 +4101,7 @@
         </p:nvCxnSpPr>
         <p:spPr>
           <a:xfrm>
-            <a:off x="2127598" y="4656499"/>
+            <a:off x="1952494" y="4656499"/>
             <a:ext cx="0" cy="567643"/>
           </a:xfrm>
           <a:prstGeom prst="straightConnector1">
@@ -4174,7 +4140,7 @@
         </p:nvCxnSpPr>
         <p:spPr>
           <a:xfrm>
-            <a:off x="6232186" y="3415191"/>
+            <a:off x="5301571" y="3362179"/>
             <a:ext cx="0" cy="567643"/>
           </a:xfrm>
           <a:prstGeom prst="straightConnector1">
@@ -4254,7 +4220,7 @@
         </p:nvCxnSpPr>
         <p:spPr>
           <a:xfrm>
-            <a:off x="10158916" y="1378375"/>
+            <a:off x="10236744" y="1375712"/>
             <a:ext cx="2761" cy="3670280"/>
           </a:xfrm>
           <a:prstGeom prst="straightConnector1">
@@ -4293,8 +4259,8 @@
         </p:nvSpPr>
         <p:spPr>
           <a:xfrm>
-            <a:off x="4474910" y="1634646"/>
-            <a:ext cx="3514552" cy="369332"/>
+            <a:off x="6662864" y="1558912"/>
+            <a:ext cx="1563570" cy="369332"/>
           </a:xfrm>
           <a:prstGeom prst="rect">
             <a:avLst/>
@@ -4309,25 +4275,12 @@
           <a:p>
             <a:r>
               <a:rPr lang="it-IT" dirty="0" err="1"/>
-              <a:t>setProps</a:t>
+              <a:t>forceUpdate</a:t>
             </a:r>
             <a:r>
               <a:rPr lang="it-IT" dirty="0"/>
-              <a:t>    </a:t>
-            </a:r>
-            <a:r>
-              <a:rPr lang="it-IT" dirty="0" err="1"/>
-              <a:t>setState</a:t>
-            </a:r>
-            <a:r>
-              <a:rPr lang="it-IT" dirty="0"/>
-              <a:t>    </a:t>
-            </a:r>
-            <a:r>
-              <a:rPr lang="it-IT" dirty="0" err="1"/>
-              <a:t>forceUpdate</a:t>
-            </a:r>
-            <a:endParaRPr lang="it-IT" dirty="0"/>
+              <a:t>()</a:t>
+            </a:r>
           </a:p>
         </p:txBody>
       </p:sp>
@@ -4347,48 +4300,7 @@
         </p:nvCxnSpPr>
         <p:spPr>
           <a:xfrm>
-            <a:off x="5022713" y="2003977"/>
-            <a:ext cx="0" cy="651673"/>
-          </a:xfrm>
-          <a:prstGeom prst="straightConnector1">
-            <a:avLst/>
-          </a:prstGeom>
-          <a:ln>
-            <a:tailEnd type="triangle"/>
-          </a:ln>
-        </p:spPr>
-        <p:style>
-          <a:lnRef idx="2">
-            <a:schemeClr val="accent1"/>
-          </a:lnRef>
-          <a:fillRef idx="0">
-            <a:schemeClr val="accent1"/>
-          </a:fillRef>
-          <a:effectRef idx="1">
-            <a:schemeClr val="accent1"/>
-          </a:effectRef>
-          <a:fontRef idx="minor">
-            <a:schemeClr val="tx1"/>
-          </a:fontRef>
-        </p:style>
-      </p:cxnSp>
-      <p:cxnSp>
-        <p:nvCxnSpPr>
-          <p:cNvPr id="30" name="Connettore 2 29">
-            <a:extLst>
-              <a:ext uri="{FF2B5EF4-FFF2-40B4-BE49-F238E27FC236}">
-                <a16:creationId xmlns:a16="http://schemas.microsoft.com/office/drawing/2014/main" id="{F14E792D-3618-DADB-2D83-E3A681FA91A7}"/>
-              </a:ext>
-            </a:extLst>
-          </p:cNvPr>
-          <p:cNvCxnSpPr>
-            <a:cxnSpLocks/>
-          </p:cNvCxnSpPr>
-          <p:nvPr/>
-        </p:nvCxnSpPr>
-        <p:spPr>
-          <a:xfrm>
-            <a:off x="6232186" y="2003978"/>
+            <a:off x="5285360" y="2003976"/>
             <a:ext cx="0" cy="651673"/>
           </a:xfrm>
           <a:prstGeom prst="straightConnector1">
@@ -4429,7 +4341,7 @@
         </p:nvCxnSpPr>
         <p:spPr>
           <a:xfrm>
-            <a:off x="7286016" y="2003977"/>
+            <a:off x="7475184" y="2003976"/>
             <a:ext cx="0" cy="651673"/>
           </a:xfrm>
           <a:prstGeom prst="straightConnector1">
@@ -4454,6 +4366,237 @@
           </a:fontRef>
         </p:style>
       </p:cxnSp>
+      <p:sp>
+        <p:nvSpPr>
+          <p:cNvPr id="2" name="Rettangolo con angoli arrotondati 1">
+            <a:extLst>
+              <a:ext uri="{FF2B5EF4-FFF2-40B4-BE49-F238E27FC236}">
+                <a16:creationId xmlns:a16="http://schemas.microsoft.com/office/drawing/2014/main" id="{9815BA42-8B12-D6DD-CB3D-C983D3A9B351}"/>
+              </a:ext>
+            </a:extLst>
+          </p:cNvPr>
+          <p:cNvSpPr/>
+          <p:nvPr/>
+        </p:nvSpPr>
+        <p:spPr>
+          <a:xfrm>
+            <a:off x="6760726" y="2702234"/>
+            <a:ext cx="1428917" cy="673667"/>
+          </a:xfrm>
+          <a:prstGeom prst="roundRect">
+            <a:avLst/>
+          </a:prstGeom>
+          <a:solidFill>
+            <a:schemeClr val="tx2">
+              <a:lumMod val="10000"/>
+              <a:lumOff val="90000"/>
+            </a:schemeClr>
+          </a:solidFill>
+          <a:effectLst>
+            <a:outerShdw blurRad="50800" dist="38100" dir="2700000" algn="tl" rotWithShape="0">
+              <a:prstClr val="black">
+                <a:alpha val="40000"/>
+              </a:prstClr>
+            </a:outerShdw>
+          </a:effectLst>
+        </p:spPr>
+        <p:style>
+          <a:lnRef idx="2">
+            <a:schemeClr val="accent1">
+              <a:shade val="15000"/>
+            </a:schemeClr>
+          </a:lnRef>
+          <a:fillRef idx="1">
+            <a:schemeClr val="accent1"/>
+          </a:fillRef>
+          <a:effectRef idx="0">
+            <a:schemeClr val="accent1"/>
+          </a:effectRef>
+          <a:fontRef idx="minor">
+            <a:schemeClr val="lt1"/>
+          </a:fontRef>
+        </p:style>
+        <p:txBody>
+          <a:bodyPr rtlCol="0" anchor="ctr"/>
+          <a:lstStyle/>
+          <a:p>
+            <a:pPr algn="ctr"/>
+            <a:r>
+              <a:rPr lang="it-IT" b="1" dirty="0">
+                <a:solidFill>
+                  <a:schemeClr val="tx1">
+                    <a:lumMod val="65000"/>
+                    <a:lumOff val="35000"/>
+                  </a:schemeClr>
+                </a:solidFill>
+              </a:rPr>
+              <a:t>render()</a:t>
+            </a:r>
+          </a:p>
+        </p:txBody>
+      </p:sp>
+      <p:sp>
+        <p:nvSpPr>
+          <p:cNvPr id="3" name="Rettangolo con angoli arrotondati 2">
+            <a:extLst>
+              <a:ext uri="{FF2B5EF4-FFF2-40B4-BE49-F238E27FC236}">
+                <a16:creationId xmlns:a16="http://schemas.microsoft.com/office/drawing/2014/main" id="{E0A39D23-5BD3-7AC4-C578-755197FF5835}"/>
+              </a:ext>
+            </a:extLst>
+          </p:cNvPr>
+          <p:cNvSpPr/>
+          <p:nvPr/>
+        </p:nvSpPr>
+        <p:spPr>
+          <a:xfrm>
+            <a:off x="4095348" y="2724300"/>
+            <a:ext cx="2490275" cy="673667"/>
+          </a:xfrm>
+          <a:prstGeom prst="roundRect">
+            <a:avLst/>
+          </a:prstGeom>
+          <a:solidFill>
+            <a:schemeClr val="tx2">
+              <a:lumMod val="10000"/>
+              <a:lumOff val="90000"/>
+            </a:schemeClr>
+          </a:solidFill>
+          <a:effectLst>
+            <a:outerShdw blurRad="50800" dist="38100" dir="2700000" algn="tl" rotWithShape="0">
+              <a:prstClr val="black">
+                <a:alpha val="40000"/>
+              </a:prstClr>
+            </a:outerShdw>
+          </a:effectLst>
+        </p:spPr>
+        <p:style>
+          <a:lnRef idx="2">
+            <a:schemeClr val="accent1">
+              <a:shade val="15000"/>
+            </a:schemeClr>
+          </a:lnRef>
+          <a:fillRef idx="1">
+            <a:schemeClr val="accent1"/>
+          </a:fillRef>
+          <a:effectRef idx="0">
+            <a:schemeClr val="accent1"/>
+          </a:effectRef>
+          <a:fontRef idx="minor">
+            <a:schemeClr val="lt1"/>
+          </a:fontRef>
+        </p:style>
+        <p:txBody>
+          <a:bodyPr rtlCol="0" anchor="ctr"/>
+          <a:lstStyle/>
+          <a:p>
+            <a:pPr algn="ctr"/>
+            <a:r>
+              <a:rPr lang="it-IT" sz="1600" b="1" dirty="0" err="1">
+                <a:solidFill>
+                  <a:schemeClr val="tx1">
+                    <a:lumMod val="65000"/>
+                    <a:lumOff val="35000"/>
+                  </a:schemeClr>
+                </a:solidFill>
+              </a:rPr>
+              <a:t>componentWillUpdate</a:t>
+            </a:r>
+            <a:r>
+              <a:rPr lang="it-IT" sz="1600" b="1" dirty="0">
+                <a:solidFill>
+                  <a:schemeClr val="tx1">
+                    <a:lumMod val="65000"/>
+                    <a:lumOff val="35000"/>
+                  </a:schemeClr>
+                </a:solidFill>
+              </a:rPr>
+              <a:t>()</a:t>
+            </a:r>
+          </a:p>
+        </p:txBody>
+      </p:sp>
+      <p:cxnSp>
+        <p:nvCxnSpPr>
+          <p:cNvPr id="16" name="Connettore 2 15">
+            <a:extLst>
+              <a:ext uri="{FF2B5EF4-FFF2-40B4-BE49-F238E27FC236}">
+                <a16:creationId xmlns:a16="http://schemas.microsoft.com/office/drawing/2014/main" id="{B1A26B82-95E2-BC87-A36C-9AC3E8603013}"/>
+              </a:ext>
+            </a:extLst>
+          </p:cNvPr>
+          <p:cNvCxnSpPr/>
+          <p:nvPr/>
+        </p:nvCxnSpPr>
+        <p:spPr>
+          <a:xfrm>
+            <a:off x="7464741" y="3394953"/>
+            <a:ext cx="0" cy="567643"/>
+          </a:xfrm>
+          <a:prstGeom prst="straightConnector1">
+            <a:avLst/>
+          </a:prstGeom>
+          <a:ln>
+            <a:tailEnd type="triangle"/>
+          </a:ln>
+        </p:spPr>
+        <p:style>
+          <a:lnRef idx="2">
+            <a:schemeClr val="accent1"/>
+          </a:lnRef>
+          <a:fillRef idx="0">
+            <a:schemeClr val="accent1"/>
+          </a:fillRef>
+          <a:effectRef idx="1">
+            <a:schemeClr val="accent1"/>
+          </a:effectRef>
+          <a:fontRef idx="minor">
+            <a:schemeClr val="tx1"/>
+          </a:fontRef>
+        </p:style>
+      </p:cxnSp>
+      <p:sp>
+        <p:nvSpPr>
+          <p:cNvPr id="23" name="CasellaDiTesto 22">
+            <a:extLst>
+              <a:ext uri="{FF2B5EF4-FFF2-40B4-BE49-F238E27FC236}">
+                <a16:creationId xmlns:a16="http://schemas.microsoft.com/office/drawing/2014/main" id="{8FBF837A-25D0-320D-B5C0-79235EEE8FB6}"/>
+              </a:ext>
+            </a:extLst>
+          </p:cNvPr>
+          <p:cNvSpPr txBox="1"/>
+          <p:nvPr/>
+        </p:nvSpPr>
+        <p:spPr>
+          <a:xfrm>
+            <a:off x="4304788" y="1572173"/>
+            <a:ext cx="1824667" cy="369332"/>
+          </a:xfrm>
+          <a:prstGeom prst="rect">
+            <a:avLst/>
+          </a:prstGeom>
+          <a:noFill/>
+        </p:spPr>
+        <p:txBody>
+          <a:bodyPr wrap="none" rtlCol="0">
+            <a:spAutoFit/>
+          </a:bodyPr>
+          <a:lstStyle/>
+          <a:p>
+            <a:r>
+              <a:rPr lang="it-IT" dirty="0"/>
+              <a:t>Set </a:t>
+            </a:r>
+            <a:r>
+              <a:rPr lang="it-IT" dirty="0" err="1"/>
+              <a:t>Props</a:t>
+            </a:r>
+            <a:r>
+              <a:rPr lang="it-IT" dirty="0"/>
+              <a:t> / State</a:t>
+            </a:r>
+          </a:p>
+        </p:txBody>
+      </p:sp>
     </p:spTree>
     <p:extLst>
       <p:ext uri="{BB962C8B-B14F-4D97-AF65-F5344CB8AC3E}">
